--- a/Scientific_Calculator_Presentation_Colored.pptx
+++ b/Scientific_Calculator_Presentation_Colored.pptx
@@ -3292,6 +3292,11 @@
             <a:r>
               <a:t>Addition, Subtraction, Multiplication, Division</a:t>
             </a:r>
+            <a:r>
+              <a:rPr lang="en-US"/>
+              <a:t>,Mod</a:t>
+            </a:r>
+            <a:endParaRPr lang="en-US"/>
           </a:p>
           <a:p>
             <a:pPr lvl="1">
@@ -4058,7 +4063,16 @@
               </a:defRPr>
             </a:pPr>
             <a:r>
-              <a:t>Questions are welcome.</a:t>
+              <a:rPr lang="en-US">
+                <a:sym typeface="+mn-ea"/>
+              </a:rPr>
+              <a:t>Suggessions and feedback </a:t>
+            </a:r>
+            <a:r>
+              <a:rPr>
+                <a:sym typeface="+mn-ea"/>
+              </a:rPr>
+              <a:t>are welcome.</a:t>
             </a:r>
           </a:p>
         </p:txBody>
